--- a/lectures/L7_optimization_with_intuitive_description.pptx
+++ b/lectures/L7_optimization_with_intuitive_description.pptx
@@ -198,7 +198,7 @@
           <a:p>
             <a:fld id="{F9D86B32-7720-4E33-AEC2-2812AF876771}" type="datetimeFigureOut">
               <a:rPr lang="ru-RU" smtClean="0"/>
-              <a:t>16.07.2019</a:t>
+              <a:t>17.07.2019</a:t>
             </a:fld>
             <a:endParaRPr lang="ru-RU"/>
           </a:p>
@@ -714,7 +714,7 @@
           <a:p>
             <a:fld id="{44848DE1-8FDF-4BCB-A3B7-6F8759560322}" type="datetime1">
               <a:rPr lang="ru-RU" smtClean="0"/>
-              <a:t>16.07.2019</a:t>
+              <a:t>17.07.2019</a:t>
             </a:fld>
             <a:endParaRPr lang="ru-RU"/>
           </a:p>
@@ -937,7 +937,7 @@
           <a:p>
             <a:fld id="{6AF025C1-72CB-4A1F-A8AC-B45C976D14DA}" type="datetime1">
               <a:rPr lang="ru-RU" smtClean="0"/>
-              <a:t>16.07.2019</a:t>
+              <a:t>17.07.2019</a:t>
             </a:fld>
             <a:endParaRPr lang="ru-RU"/>
           </a:p>
@@ -1217,7 +1217,7 @@
           <a:p>
             <a:fld id="{6771165C-13C9-4C27-A82E-E3C6741693A8}" type="datetime1">
               <a:rPr lang="ru-RU" smtClean="0"/>
-              <a:t>16.07.2019</a:t>
+              <a:t>17.07.2019</a:t>
             </a:fld>
             <a:endParaRPr lang="ru-RU"/>
           </a:p>
@@ -1396,7 +1396,7 @@
           <a:p>
             <a:fld id="{45C6D225-7630-400E-9350-F5D70BD70F68}" type="datetime1">
               <a:rPr lang="ru-RU" smtClean="0"/>
-              <a:t>16.07.2019</a:t>
+              <a:t>17.07.2019</a:t>
             </a:fld>
             <a:endParaRPr lang="ru-RU"/>
           </a:p>
@@ -1754,7 +1754,7 @@
           <a:p>
             <a:fld id="{25C0BE65-D3BA-4FA0-8125-6B380BF223DC}" type="datetime1">
               <a:rPr lang="ru-RU" smtClean="0"/>
-              <a:t>16.07.2019</a:t>
+              <a:t>17.07.2019</a:t>
             </a:fld>
             <a:endParaRPr lang="ru-RU"/>
           </a:p>
@@ -2041,7 +2041,7 @@
           <a:p>
             <a:fld id="{709E2707-F769-4C43-8952-AC653C0BDDA6}" type="datetime1">
               <a:rPr lang="ru-RU" smtClean="0"/>
-              <a:t>16.07.2019</a:t>
+              <a:t>17.07.2019</a:t>
             </a:fld>
             <a:endParaRPr lang="ru-RU"/>
           </a:p>
@@ -2463,7 +2463,7 @@
           <a:p>
             <a:fld id="{687FF384-C075-44CC-8D23-746DFC5DBF55}" type="datetime1">
               <a:rPr lang="ru-RU" smtClean="0"/>
-              <a:t>16.07.2019</a:t>
+              <a:t>17.07.2019</a:t>
             </a:fld>
             <a:endParaRPr lang="ru-RU"/>
           </a:p>
@@ -2578,7 +2578,7 @@
           <a:p>
             <a:fld id="{99AEE0FD-1E0F-4668-BFC0-E7FE22CF2AD9}" type="datetime1">
               <a:rPr lang="ru-RU" smtClean="0"/>
-              <a:t>16.07.2019</a:t>
+              <a:t>17.07.2019</a:t>
             </a:fld>
             <a:endParaRPr lang="ru-RU"/>
           </a:p>
@@ -2668,7 +2668,7 @@
           <a:p>
             <a:fld id="{BD672CC7-CBE4-47AB-80F7-E5752325A98D}" type="datetime1">
               <a:rPr lang="ru-RU" smtClean="0"/>
-              <a:t>16.07.2019</a:t>
+              <a:t>17.07.2019</a:t>
             </a:fld>
             <a:endParaRPr lang="ru-RU"/>
           </a:p>
@@ -2946,7 +2946,7 @@
           <a:p>
             <a:fld id="{D63628FB-F08E-474D-B17D-BA9FC5E2F0AD}" type="datetime1">
               <a:rPr lang="ru-RU" smtClean="0"/>
-              <a:t>16.07.2019</a:t>
+              <a:t>17.07.2019</a:t>
             </a:fld>
             <a:endParaRPr lang="ru-RU"/>
           </a:p>
@@ -3312,7 +3312,7 @@
           <a:p>
             <a:fld id="{A0389193-55B4-4083-9191-162D1608658B}" type="datetime1">
               <a:rPr lang="ru-RU" smtClean="0"/>
-              <a:t>16.07.2019</a:t>
+              <a:t>17.07.2019</a:t>
             </a:fld>
             <a:endParaRPr lang="ru-RU"/>
           </a:p>
@@ -3749,7 +3749,7 @@
           <a:p>
             <a:fld id="{817E02B0-0265-49A4-BCE2-6B79637AD387}" type="datetime1">
               <a:rPr lang="ru-RU" smtClean="0"/>
-              <a:t>16.07.2019</a:t>
+              <a:t>17.07.2019</a:t>
             </a:fld>
             <a:endParaRPr lang="ru-RU"/>
           </a:p>
@@ -4186,9 +4186,39 @@
               <a:rPr lang="en-US" sz="2000" u="sng" dirty="0" smtClean="0"/>
             </a:br>
             <a:r>
+              <a:rPr lang="en-US" sz="2000" dirty="0" smtClean="0"/>
+              <a:t>-</a:t>
+            </a:r>
+            <a:r>
+              <a:rPr lang="ru-RU" sz="2000" dirty="0" smtClean="0"/>
+              <a:t> </a:t>
+            </a:r>
+            <a:r>
+              <a:rPr lang="en-US" sz="2000" dirty="0" err="1" smtClean="0"/>
+              <a:t>Nessesary</a:t>
+            </a:r>
+            <a:r>
+              <a:rPr lang="en-US" sz="2000" dirty="0" smtClean="0"/>
+              <a:t> conditions for optimality</a:t>
+            </a:r>
+            <a:br>
+              <a:rPr lang="en-US" sz="2000" dirty="0" smtClean="0"/>
+            </a:br>
+            <a:r>
+              <a:rPr lang="en-US" sz="2000" dirty="0" smtClean="0"/>
+              <a:t>- Equality constraints </a:t>
+            </a:r>
+            <a:r>
               <a:rPr lang="en-US" sz="2000" smtClean="0"/>
-              <a:t>- …</a:t>
+              <a:t>for optimization</a:t>
             </a:r>
+            <a:r>
+              <a:rPr lang="en-US" sz="2000" dirty="0" smtClean="0"/>
+              <a:t/>
+            </a:r>
+            <a:br>
+              <a:rPr lang="en-US" sz="2000" dirty="0" smtClean="0"/>
+            </a:br>
             <a:endParaRPr lang="ru-RU" sz="2000" dirty="0"/>
           </a:p>
         </p:txBody>
@@ -4278,8 +4308,8 @@
           </a:p>
         </p:txBody>
       </p:sp>
-      <mc:AlternateContent xmlns:mc="http://schemas.openxmlformats.org/markup-compatibility/2006">
-        <mc:Choice xmlns:a14="http://schemas.microsoft.com/office/drawing/2010/main" Requires="a14">
+      <mc:AlternateContent xmlns:mc="http://schemas.openxmlformats.org/markup-compatibility/2006" xmlns:a14="http://schemas.microsoft.com/office/drawing/2010/main">
+        <mc:Choice Requires="a14">
           <p:sp>
             <p:nvSpPr>
               <p:cNvPr id="3" name="Объект 2"/>
@@ -4547,11 +4577,7 @@
                 </a:pPr>
                 <a:r>
                   <a:rPr lang="en-US" sz="2400" dirty="0" smtClean="0"/>
-                  <a:t>Speed</a:t>
-                </a:r>
-                <a:r>
-                  <a:rPr lang="en-US" sz="2400" dirty="0" smtClean="0"/>
-                  <a:t> with which your function moves along </a:t>
+                  <a:t>Speed with which your function moves along </a:t>
                 </a:r>
                 <a:r>
                   <a:rPr lang="en-US" sz="2400" b="1" dirty="0" smtClean="0"/>
@@ -4589,7 +4615,7 @@
             </p:txBody>
           </p:sp>
         </mc:Choice>
-        <mc:Fallback>
+        <mc:Fallback xmlns="">
           <p:sp>
             <p:nvSpPr>
               <p:cNvPr id="3" name="Объект 2"/>
@@ -4765,8 +4791,8 @@
           </a:p>
         </p:txBody>
       </p:sp>
-      <mc:AlternateContent xmlns:mc="http://schemas.openxmlformats.org/markup-compatibility/2006">
-        <mc:Choice xmlns:a14="http://schemas.microsoft.com/office/drawing/2010/main" Requires="a14">
+      <mc:AlternateContent xmlns:mc="http://schemas.openxmlformats.org/markup-compatibility/2006" xmlns:a14="http://schemas.microsoft.com/office/drawing/2010/main">
+        <mc:Choice Requires="a14">
           <p:sp>
             <p:nvSpPr>
               <p:cNvPr id="3" name="Объект 2"/>
@@ -5237,7 +5263,7 @@
             </p:txBody>
           </p:sp>
         </mc:Choice>
-        <mc:Fallback>
+        <mc:Fallback xmlns="">
           <p:sp>
             <p:nvSpPr>
               <p:cNvPr id="3" name="Объект 2"/>
@@ -5349,8 +5375,8 @@
           </a:p>
         </p:txBody>
       </p:sp>
-      <mc:AlternateContent xmlns:mc="http://schemas.openxmlformats.org/markup-compatibility/2006">
-        <mc:Choice xmlns:a14="http://schemas.microsoft.com/office/drawing/2010/main" Requires="a14">
+      <mc:AlternateContent xmlns:mc="http://schemas.openxmlformats.org/markup-compatibility/2006" xmlns:a14="http://schemas.microsoft.com/office/drawing/2010/main">
+        <mc:Choice Requires="a14">
           <p:sp>
             <p:nvSpPr>
               <p:cNvPr id="3" name="Объект 2"/>
@@ -5451,7 +5477,7 @@
                         <a:latin typeface="Cambria Math"/>
                         <a:ea typeface="Cambria Math"/>
                       </a:rPr>
-                      <m:t>∇</m:t>
+                      <m:t>𝛻</m:t>
                     </m:r>
                     <m:r>
                       <a:rPr lang="en-US" b="0" i="1" smtClean="0">
@@ -5842,7 +5868,7 @@
             </p:txBody>
           </p:sp>
         </mc:Choice>
-        <mc:Fallback>
+        <mc:Fallback xmlns="">
           <p:sp>
             <p:nvSpPr>
               <p:cNvPr id="3" name="Объект 2"/>
@@ -5952,8 +5978,8 @@
           </a:p>
         </p:txBody>
       </p:sp>
-      <mc:AlternateContent xmlns:mc="http://schemas.openxmlformats.org/markup-compatibility/2006">
-        <mc:Choice xmlns:a14="http://schemas.microsoft.com/office/drawing/2010/main" Requires="a14">
+      <mc:AlternateContent xmlns:mc="http://schemas.openxmlformats.org/markup-compatibility/2006" xmlns:a14="http://schemas.microsoft.com/office/drawing/2010/main">
+        <mc:Choice Requires="a14">
           <p:sp>
             <p:nvSpPr>
               <p:cNvPr id="3" name="Объект 2"/>
@@ -6404,7 +6430,7 @@
             </p:txBody>
           </p:sp>
         </mc:Choice>
-        <mc:Fallback>
+        <mc:Fallback xmlns="">
           <p:sp>
             <p:nvSpPr>
               <p:cNvPr id="3" name="Объект 2"/>
@@ -6516,8 +6542,8 @@
           </a:p>
         </p:txBody>
       </p:sp>
-      <mc:AlternateContent xmlns:mc="http://schemas.openxmlformats.org/markup-compatibility/2006">
-        <mc:Choice xmlns:a14="http://schemas.microsoft.com/office/drawing/2010/main" Requires="a14">
+      <mc:AlternateContent xmlns:mc="http://schemas.openxmlformats.org/markup-compatibility/2006" xmlns:a14="http://schemas.microsoft.com/office/drawing/2010/main">
+        <mc:Choice Requires="a14">
           <p:sp>
             <p:nvSpPr>
               <p:cNvPr id="3" name="Объект 2"/>
@@ -7196,14 +7222,7 @@
                         <a:latin typeface="Cambria Math"/>
                         <a:ea typeface="Cambria Math"/>
                       </a:rPr>
-                      <m:t>=</m:t>
-                    </m:r>
-                    <m:r>
-                      <a:rPr lang="en-US" i="1">
-                        <a:latin typeface="Cambria Math"/>
-                        <a:ea typeface="Cambria Math"/>
-                      </a:rPr>
-                      <m:t>0</m:t>
+                      <m:t>=0</m:t>
                     </m:r>
                   </m:oMath>
                 </a14:m>
@@ -7666,14 +7685,7 @@
                         <a:latin typeface="Cambria Math"/>
                         <a:ea typeface="Cambria Math"/>
                       </a:rPr>
-                      <m:t>∙</m:t>
-                    </m:r>
-                    <m:r>
-                      <a:rPr lang="en-US" i="1">
-                        <a:latin typeface="Cambria Math"/>
-                        <a:ea typeface="Cambria Math"/>
-                      </a:rPr>
-                      <m:t>0</m:t>
+                      <m:t>∙0</m:t>
                     </m:r>
                   </m:oMath>
                 </a14:m>
@@ -8138,7 +8150,7 @@
             </p:txBody>
           </p:sp>
         </mc:Choice>
-        <mc:Fallback>
+        <mc:Fallback xmlns="">
           <p:sp>
             <p:nvSpPr>
               <p:cNvPr id="3" name="Объект 2"/>
@@ -8258,8 +8270,8 @@
           </a:p>
         </p:txBody>
       </p:sp>
-      <mc:AlternateContent xmlns:mc="http://schemas.openxmlformats.org/markup-compatibility/2006">
-        <mc:Choice xmlns:a14="http://schemas.microsoft.com/office/drawing/2010/main" Requires="a14">
+      <mc:AlternateContent xmlns:mc="http://schemas.openxmlformats.org/markup-compatibility/2006" xmlns:a14="http://schemas.microsoft.com/office/drawing/2010/main">
+        <mc:Choice Requires="a14">
           <p:sp>
             <p:nvSpPr>
               <p:cNvPr id="3" name="Объект 2"/>
@@ -8721,7 +8733,7 @@
             </p:txBody>
           </p:sp>
         </mc:Choice>
-        <mc:Fallback>
+        <mc:Fallback xmlns="">
           <p:sp>
             <p:nvSpPr>
               <p:cNvPr id="3" name="Объект 2"/>
